--- a/etc/001. git action/github actionspptx.pptx
+++ b/etc/001. git action/github actionspptx.pptx
@@ -210,7 +210,7 @@
           <a:p>
             <a:fld id="{2B451125-7454-420A-9009-CDC38194F688}" type="datetimeFigureOut">
               <a:rPr lang="ko-KR" altLang="en-US" smtClean="0"/>
-              <a:t>2020-03-26</a:t>
+              <a:t>2020-03-27</a:t>
             </a:fld>
             <a:endParaRPr lang="ko-KR" altLang="en-US"/>
           </a:p>
@@ -1104,7 +1104,7 @@
           <a:p>
             <a:fld id="{2D759476-BB91-4FED-86B1-96CCEEC32FEC}" type="datetimeFigureOut">
               <a:rPr lang="ko-KR" altLang="en-US" smtClean="0"/>
-              <a:t>2020-03-26</a:t>
+              <a:t>2020-03-27</a:t>
             </a:fld>
             <a:endParaRPr lang="ko-KR" altLang="en-US"/>
           </a:p>
@@ -1274,7 +1274,7 @@
           <a:p>
             <a:fld id="{2D759476-BB91-4FED-86B1-96CCEEC32FEC}" type="datetimeFigureOut">
               <a:rPr lang="ko-KR" altLang="en-US" smtClean="0"/>
-              <a:t>2020-03-26</a:t>
+              <a:t>2020-03-27</a:t>
             </a:fld>
             <a:endParaRPr lang="ko-KR" altLang="en-US"/>
           </a:p>
@@ -1454,7 +1454,7 @@
           <a:p>
             <a:fld id="{2D759476-BB91-4FED-86B1-96CCEEC32FEC}" type="datetimeFigureOut">
               <a:rPr lang="ko-KR" altLang="en-US" smtClean="0"/>
-              <a:t>2020-03-26</a:t>
+              <a:t>2020-03-27</a:t>
             </a:fld>
             <a:endParaRPr lang="ko-KR" altLang="en-US"/>
           </a:p>
@@ -1624,7 +1624,7 @@
           <a:p>
             <a:fld id="{2D759476-BB91-4FED-86B1-96CCEEC32FEC}" type="datetimeFigureOut">
               <a:rPr lang="ko-KR" altLang="en-US" smtClean="0"/>
-              <a:t>2020-03-26</a:t>
+              <a:t>2020-03-27</a:t>
             </a:fld>
             <a:endParaRPr lang="ko-KR" altLang="en-US"/>
           </a:p>
@@ -1870,7 +1870,7 @@
           <a:p>
             <a:fld id="{2D759476-BB91-4FED-86B1-96CCEEC32FEC}" type="datetimeFigureOut">
               <a:rPr lang="ko-KR" altLang="en-US" smtClean="0"/>
-              <a:t>2020-03-26</a:t>
+              <a:t>2020-03-27</a:t>
             </a:fld>
             <a:endParaRPr lang="ko-KR" altLang="en-US"/>
           </a:p>
@@ -2102,7 +2102,7 @@
           <a:p>
             <a:fld id="{2D759476-BB91-4FED-86B1-96CCEEC32FEC}" type="datetimeFigureOut">
               <a:rPr lang="ko-KR" altLang="en-US" smtClean="0"/>
-              <a:t>2020-03-26</a:t>
+              <a:t>2020-03-27</a:t>
             </a:fld>
             <a:endParaRPr lang="ko-KR" altLang="en-US"/>
           </a:p>
@@ -2469,7 +2469,7 @@
           <a:p>
             <a:fld id="{2D759476-BB91-4FED-86B1-96CCEEC32FEC}" type="datetimeFigureOut">
               <a:rPr lang="ko-KR" altLang="en-US" smtClean="0"/>
-              <a:t>2020-03-26</a:t>
+              <a:t>2020-03-27</a:t>
             </a:fld>
             <a:endParaRPr lang="ko-KR" altLang="en-US"/>
           </a:p>
@@ -2587,7 +2587,7 @@
           <a:p>
             <a:fld id="{2D759476-BB91-4FED-86B1-96CCEEC32FEC}" type="datetimeFigureOut">
               <a:rPr lang="ko-KR" altLang="en-US" smtClean="0"/>
-              <a:t>2020-03-26</a:t>
+              <a:t>2020-03-27</a:t>
             </a:fld>
             <a:endParaRPr lang="ko-KR" altLang="en-US"/>
           </a:p>
@@ -2682,7 +2682,7 @@
           <a:p>
             <a:fld id="{2D759476-BB91-4FED-86B1-96CCEEC32FEC}" type="datetimeFigureOut">
               <a:rPr lang="ko-KR" altLang="en-US" smtClean="0"/>
-              <a:t>2020-03-26</a:t>
+              <a:t>2020-03-27</a:t>
             </a:fld>
             <a:endParaRPr lang="ko-KR" altLang="en-US"/>
           </a:p>
@@ -2959,7 +2959,7 @@
           <a:p>
             <a:fld id="{2D759476-BB91-4FED-86B1-96CCEEC32FEC}" type="datetimeFigureOut">
               <a:rPr lang="ko-KR" altLang="en-US" smtClean="0"/>
-              <a:t>2020-03-26</a:t>
+              <a:t>2020-03-27</a:t>
             </a:fld>
             <a:endParaRPr lang="ko-KR" altLang="en-US"/>
           </a:p>
@@ -3212,7 +3212,7 @@
           <a:p>
             <a:fld id="{2D759476-BB91-4FED-86B1-96CCEEC32FEC}" type="datetimeFigureOut">
               <a:rPr lang="ko-KR" altLang="en-US" smtClean="0"/>
-              <a:t>2020-03-26</a:t>
+              <a:t>2020-03-27</a:t>
             </a:fld>
             <a:endParaRPr lang="ko-KR" altLang="en-US"/>
           </a:p>
@@ -3425,7 +3425,7 @@
           <a:p>
             <a:fld id="{2D759476-BB91-4FED-86B1-96CCEEC32FEC}" type="datetimeFigureOut">
               <a:rPr lang="ko-KR" altLang="en-US" smtClean="0"/>
-              <a:t>2020-03-26</a:t>
+              <a:t>2020-03-27</a:t>
             </a:fld>
             <a:endParaRPr lang="ko-KR" altLang="en-US"/>
           </a:p>
@@ -4701,6 +4701,40 @@
           </a:p>
         </p:txBody>
       </p:sp>
+      <p:sp>
+        <p:nvSpPr>
+          <p:cNvPr id="5" name="TextBox 4"/>
+          <p:cNvSpPr txBox="1"/>
+          <p:nvPr/>
+        </p:nvSpPr>
+        <p:spPr>
+          <a:xfrm>
+            <a:off x="10832123" y="6303109"/>
+            <a:ext cx="715108" cy="169277"/>
+          </a:xfrm>
+          <a:prstGeom prst="rect">
+            <a:avLst/>
+          </a:prstGeom>
+          <a:noFill/>
+        </p:spPr>
+        <p:txBody>
+          <a:bodyPr wrap="square" rtlCol="0">
+            <a:spAutoFit/>
+          </a:bodyPr>
+          <a:lstStyle/>
+          <a:p>
+            <a:r>
+              <a:rPr lang="ko-KR" altLang="en-US" sz="500" dirty="0" smtClean="0"/>
+              <a:t>출처 </a:t>
+            </a:r>
+            <a:r>
+              <a:rPr lang="en-US" altLang="ko-KR" sz="500" dirty="0" smtClean="0"/>
+              <a:t>: github.com</a:t>
+            </a:r>
+            <a:endParaRPr lang="ko-KR" altLang="en-US" sz="500" dirty="0"/>
+          </a:p>
+        </p:txBody>
+      </p:sp>
     </p:spTree>
     <p:extLst>
       <p:ext uri="{BB962C8B-B14F-4D97-AF65-F5344CB8AC3E}">
@@ -5137,7 +5171,23 @@
             </a:pPr>
             <a:r>
               <a:rPr lang="ko-KR" altLang="en-US" dirty="0" smtClean="0"/>
-              <a:t>모든 개발이 끝난 후에 코드의 품질을 관리하는 단점을 해소하기 위해 나타난 개념이다</a:t>
+              <a:t>모든</a:t>
+            </a:r>
+            <a:r>
+              <a:rPr lang="en-US" altLang="ko-KR" dirty="0"/>
+              <a:t> </a:t>
+            </a:r>
+            <a:r>
+              <a:rPr lang="ko-KR" altLang="en-US" dirty="0" smtClean="0"/>
+              <a:t>프로젝트가 </a:t>
+            </a:r>
+            <a:r>
+              <a:rPr lang="ko-KR" altLang="en-US" dirty="0" smtClean="0"/>
+              <a:t>끝난 </a:t>
+            </a:r>
+            <a:r>
+              <a:rPr lang="ko-KR" altLang="en-US" dirty="0" smtClean="0"/>
+              <a:t>후에 코드의 품질을 관리하는 단점을 해소하기 위해 나타난 개념이다</a:t>
             </a:r>
             <a:r>
               <a:rPr lang="en-US" altLang="ko-KR" dirty="0" smtClean="0"/>
@@ -5158,7 +5208,15 @@
             </a:pPr>
             <a:r>
               <a:rPr lang="ko-KR" altLang="en-US" dirty="0" smtClean="0"/>
-              <a:t>여러 명의 개발자가 한 프로젝트를 진행 할 때 수시로 각자의 작업들을 체크하며 협업할 수 있다</a:t>
+              <a:t>여러 명의 개발자가 한 프로젝트를 진행 할 때 수시로 각자의 작업들을 </a:t>
+            </a:r>
+            <a:r>
+              <a:rPr lang="ko-KR" altLang="en-US" dirty="0" smtClean="0"/>
+              <a:t>확인하며 </a:t>
+            </a:r>
+            <a:r>
+              <a:rPr lang="ko-KR" altLang="en-US" dirty="0" smtClean="0"/>
+              <a:t>협업할 수 있다</a:t>
             </a:r>
             <a:r>
               <a:rPr lang="en-US" altLang="ko-KR" dirty="0" smtClean="0"/>
@@ -5190,7 +5248,15 @@
             </a:r>
             <a:r>
               <a:rPr lang="ko-KR" altLang="en-US" dirty="0" smtClean="0"/>
-              <a:t>는 지속적 배포</a:t>
+              <a:t>는 </a:t>
+            </a:r>
+            <a:r>
+              <a:rPr lang="ko-KR" altLang="en-US" dirty="0" smtClean="0"/>
+              <a:t>지속적인 </a:t>
+            </a:r>
+            <a:r>
+              <a:rPr lang="ko-KR" altLang="en-US" dirty="0" smtClean="0"/>
+              <a:t>배포</a:t>
             </a:r>
             <a:r>
               <a:rPr lang="en-US" altLang="ko-KR" dirty="0" smtClean="0"/>
@@ -5223,19 +5289,43 @@
             </a:r>
             <a:r>
               <a:rPr lang="ko-KR" altLang="en-US" dirty="0" smtClean="0"/>
-              <a:t>프로세스를 통해 개발 중에 지속적으로 빌드와 테스트를 하고 이를 거친 코드는 </a:t>
+              <a:t>과정을</a:t>
+            </a:r>
+            <a:r>
+              <a:rPr lang="ko-KR" altLang="en-US" dirty="0" smtClean="0"/>
+              <a:t> </a:t>
+            </a:r>
+            <a:r>
+              <a:rPr lang="ko-KR" altLang="en-US" dirty="0" smtClean="0"/>
+              <a:t>통해 개발 중에 지속적으로 </a:t>
+            </a:r>
+            <a:r>
+              <a:rPr lang="ko-KR" altLang="en-US" dirty="0" smtClean="0"/>
+              <a:t>코딩 빌드와 </a:t>
+            </a:r>
+            <a:r>
+              <a:rPr lang="ko-KR" altLang="en-US" dirty="0" smtClean="0"/>
+              <a:t>테스트를 하고 이를 거친 </a:t>
+            </a:r>
+            <a:r>
+              <a:rPr lang="ko-KR" altLang="en-US" dirty="0" smtClean="0"/>
+              <a:t>코드는 </a:t>
             </a:r>
             <a:r>
               <a:rPr lang="en-US" altLang="ko-KR" dirty="0" smtClean="0"/>
-              <a:t>CD</a:t>
-            </a:r>
-            <a:r>
-              <a:rPr lang="ko-KR" altLang="en-US" dirty="0"/>
-              <a:t> </a:t>
+              <a:t>CD </a:t>
             </a:r>
             <a:r>
               <a:rPr lang="ko-KR" altLang="en-US" dirty="0" smtClean="0"/>
-              <a:t>프로세스로 배포에 반영한다</a:t>
+              <a:t>과정으로 </a:t>
+            </a:r>
+            <a:r>
+              <a:rPr lang="ko-KR" altLang="en-US" dirty="0" smtClean="0"/>
+              <a:t>배포에 </a:t>
+            </a:r>
+            <a:r>
+              <a:rPr lang="ko-KR" altLang="en-US" dirty="0" smtClean="0"/>
+              <a:t>반영한다</a:t>
             </a:r>
             <a:r>
               <a:rPr lang="en-US" altLang="ko-KR" dirty="0" smtClean="0"/>
